--- a/01_FoundationProjects/RCC05_Robot_Car_Control_Using_Accelerometer/RCC05_Robot_Car_Control_Using_Accelerometer.pptx
+++ b/01_FoundationProjects/RCC05_Robot_Car_Control_Using_Accelerometer/RCC05_Robot_Car_Control_Using_Accelerometer.pptx
@@ -202,7 +202,7 @@
           <a:p>
             <a:fld id="{2A311A46-23A7-4CAD-863D-6397CDAD4FD2}" type="datetimeFigureOut">
               <a:rPr lang="en-GB" smtClean="0"/>
-              <a:t>11/01/2026</a:t>
+              <a:t>17/01/2026</a:t>
             </a:fld>
             <a:endParaRPr lang="en-GB"/>
           </a:p>
@@ -8576,7 +8576,7 @@
         </p:nvSpPr>
         <p:spPr bwMode="auto">
           <a:xfrm>
-            <a:off x="324465" y="5276904"/>
+            <a:off x="324465" y="5011337"/>
             <a:ext cx="5771535" cy="584775"/>
           </a:xfrm>
           <a:prstGeom prst="rect">
@@ -8688,19 +8688,35 @@
               <a:defRPr/>
             </a:pPr>
             <a:r>
-              <a:rPr lang="en-GB" sz="1600" b="1" dirty="0"/>
+              <a:rPr lang="en-GB" sz="1600" b="1" dirty="0">
+                <a:solidFill>
+                  <a:srgbClr val="00B0F0"/>
+                </a:solidFill>
+              </a:rPr>
               <a:t>Code for Lesson RCC05 (</a:t>
             </a:r>
             <a:r>
-              <a:rPr lang="en-US" sz="1600" b="1" dirty="0"/>
+              <a:rPr lang="en-US" sz="1600" b="1" dirty="0">
+                <a:solidFill>
+                  <a:srgbClr val="00B0F0"/>
+                </a:solidFill>
+              </a:rPr>
               <a:t>RCC05_Robot_Car_Control_Using_Accelerometer_Tx.</a:t>
             </a:r>
             <a:r>
-              <a:rPr lang="en-GB" sz="1600" b="1" dirty="0" err="1"/>
+              <a:rPr lang="en-GB" sz="1600" b="1" dirty="0" err="1">
+                <a:solidFill>
+                  <a:srgbClr val="00B0F0"/>
+                </a:solidFill>
+              </a:rPr>
               <a:t>ino</a:t>
             </a:r>
             <a:r>
-              <a:rPr lang="en-GB" sz="1600" b="1" dirty="0"/>
+              <a:rPr lang="en-GB" sz="1600" b="1" dirty="0">
+                <a:solidFill>
+                  <a:srgbClr val="00B0F0"/>
+                </a:solidFill>
+              </a:rPr>
               <a:t>):</a:t>
             </a:r>
           </a:p>
@@ -8720,8 +8736,8 @@
         </p:nvSpPr>
         <p:spPr>
           <a:xfrm>
-            <a:off x="1008204" y="5923977"/>
-            <a:ext cx="4885191" cy="307777"/>
+            <a:off x="408437" y="5617687"/>
+            <a:ext cx="4885191" cy="1169551"/>
           </a:xfrm>
           <a:prstGeom prst="rect">
             <a:avLst/>
@@ -8833,7 +8849,14 @@
             </a:lvl9pPr>
           </a:lstStyle>
           <a:p>
-            <a:endParaRPr lang="en-GB" dirty="0"/>
+            <a:r>
+              <a:rPr lang="en-GB" dirty="0">
+                <a:solidFill>
+                  <a:srgbClr val="00B0F0"/>
+                </a:solidFill>
+              </a:rPr>
+              <a:t>https://github.com/info-zas/zas-robotics-car-2-communications/blob/main/01_FoundationProjects/RCC05_Robot_Car_Control_Using_Accelerometer/RCC05_Robot_Car_Control_Using_Accelerometer_Tx/RCC05_Robot_Car_Control_Using_Accelerometer_Tx.ino</a:t>
+            </a:r>
           </a:p>
         </p:txBody>
       </p:sp>
@@ -8851,7 +8874,7 @@
         </p:nvSpPr>
         <p:spPr bwMode="auto">
           <a:xfrm>
-            <a:off x="6420465" y="5339202"/>
+            <a:off x="6420465" y="4718950"/>
             <a:ext cx="5771535" cy="584775"/>
           </a:xfrm>
           <a:prstGeom prst="rect">
@@ -8963,15 +8986,27 @@
               <a:defRPr/>
             </a:pPr>
             <a:r>
-              <a:rPr lang="en-GB" sz="1600" b="1" dirty="0"/>
+              <a:rPr lang="en-GB" sz="1600" b="1" dirty="0">
+                <a:solidFill>
+                  <a:srgbClr val="00B0F0"/>
+                </a:solidFill>
+              </a:rPr>
               <a:t>Code for Lesson RCC04 (</a:t>
             </a:r>
             <a:r>
-              <a:rPr lang="en-US" sz="1600" b="1" dirty="0"/>
+              <a:rPr lang="en-US" sz="1600" b="1" dirty="0">
+                <a:solidFill>
+                  <a:srgbClr val="00B0F0"/>
+                </a:solidFill>
+              </a:rPr>
               <a:t>RCC05_Robot_Car_Control_Using_Accelerometer_Rx</a:t>
             </a:r>
             <a:r>
-              <a:rPr lang="en-GB" sz="1600" b="1" dirty="0"/>
+              <a:rPr lang="en-GB" sz="1600" b="1" dirty="0">
+                <a:solidFill>
+                  <a:srgbClr val="00B0F0"/>
+                </a:solidFill>
+              </a:rPr>
               <a:t>.ino):</a:t>
             </a:r>
           </a:p>
@@ -8991,8 +9026,8 @@
         </p:nvSpPr>
         <p:spPr>
           <a:xfrm>
-            <a:off x="6510130" y="5923977"/>
-            <a:ext cx="4885191" cy="307777"/>
+            <a:off x="6468609" y="5396791"/>
+            <a:ext cx="4885191" cy="1169551"/>
           </a:xfrm>
           <a:prstGeom prst="rect">
             <a:avLst/>
@@ -9104,7 +9139,14 @@
             </a:lvl9pPr>
           </a:lstStyle>
           <a:p>
-            <a:endParaRPr lang="en-GB" dirty="0"/>
+            <a:r>
+              <a:rPr lang="en-GB" dirty="0">
+                <a:solidFill>
+                  <a:srgbClr val="00B0F0"/>
+                </a:solidFill>
+              </a:rPr>
+              <a:t>https://github.com/info-zas/zas-robotics-car-2-communications/blob/main/01_FoundationProjects/RCC05_Robot_Car_Control_Using_Accelerometer/RCC05_Robot_Car_Control_Using_Accelerometer_Rx/RCC05_Robot_Car_Control_Using_Accelerometer_Rx.ino</a:t>
+            </a:r>
           </a:p>
         </p:txBody>
       </p:sp>
@@ -9136,8 +9178,8 @@
         </p:blipFill>
         <p:spPr bwMode="auto">
           <a:xfrm rot="10800000">
-            <a:off x="6659109" y="1476935"/>
-            <a:ext cx="2842812" cy="3904129"/>
+            <a:off x="6678774" y="1027906"/>
+            <a:ext cx="2573381" cy="3534110"/>
           </a:xfrm>
           <a:prstGeom prst="rect">
             <a:avLst/>
